--- a/SENTIMENT ANALYSIS.pptx
+++ b/SENTIMENT ANALYSIS.pptx
@@ -5,27 +5,28 @@
     <p:sldMasterId id="2147483648" r:id="rId4"/>
   </p:sldMasterIdLst>
   <p:notesMasterIdLst>
-    <p:notesMasterId r:id="rId20"/>
+    <p:notesMasterId r:id="rId21"/>
   </p:notesMasterIdLst>
   <p:handoutMasterIdLst>
-    <p:handoutMasterId r:id="rId21"/>
+    <p:handoutMasterId r:id="rId22"/>
   </p:handoutMasterIdLst>
   <p:sldIdLst>
     <p:sldId id="289" r:id="rId5"/>
     <p:sldId id="286" r:id="rId6"/>
     <p:sldId id="297" r:id="rId7"/>
     <p:sldId id="273" r:id="rId8"/>
-    <p:sldId id="272" r:id="rId9"/>
-    <p:sldId id="280" r:id="rId10"/>
-    <p:sldId id="264" r:id="rId11"/>
-    <p:sldId id="298" r:id="rId12"/>
-    <p:sldId id="299" r:id="rId13"/>
-    <p:sldId id="300" r:id="rId14"/>
-    <p:sldId id="301" r:id="rId15"/>
-    <p:sldId id="296" r:id="rId16"/>
-    <p:sldId id="278" r:id="rId17"/>
-    <p:sldId id="268" r:id="rId18"/>
-    <p:sldId id="288" r:id="rId19"/>
+    <p:sldId id="302" r:id="rId9"/>
+    <p:sldId id="272" r:id="rId10"/>
+    <p:sldId id="280" r:id="rId11"/>
+    <p:sldId id="264" r:id="rId12"/>
+    <p:sldId id="298" r:id="rId13"/>
+    <p:sldId id="299" r:id="rId14"/>
+    <p:sldId id="300" r:id="rId15"/>
+    <p:sldId id="301" r:id="rId16"/>
+    <p:sldId id="296" r:id="rId17"/>
+    <p:sldId id="278" r:id="rId18"/>
+    <p:sldId id="268" r:id="rId19"/>
+    <p:sldId id="288" r:id="rId20"/>
   </p:sldIdLst>
   <p:sldSz cx="12192000" cy="6858000"/>
   <p:notesSz cx="6858000" cy="9144000"/>
@@ -3736,7 +3737,7 @@
     </p:spTree>
     <p:extLst>
       <p:ext uri="{BB962C8B-B14F-4D97-AF65-F5344CB8AC3E}">
-        <p14:creationId xmlns:p14="http://schemas.microsoft.com/office/powerpoint/2010/main" val="3440651834"/>
+        <p14:creationId xmlns:p14="http://schemas.microsoft.com/office/powerpoint/2010/main" val="4183877438"/>
       </p:ext>
     </p:extLst>
   </p:cSld>
@@ -3820,7 +3821,7 @@
     </p:spTree>
     <p:extLst>
       <p:ext uri="{BB962C8B-B14F-4D97-AF65-F5344CB8AC3E}">
-        <p14:creationId xmlns:p14="http://schemas.microsoft.com/office/powerpoint/2010/main" val="1943503893"/>
+        <p14:creationId xmlns:p14="http://schemas.microsoft.com/office/powerpoint/2010/main" val="3440651834"/>
       </p:ext>
     </p:extLst>
   </p:cSld>
@@ -3904,7 +3905,7 @@
     </p:spTree>
     <p:extLst>
       <p:ext uri="{BB962C8B-B14F-4D97-AF65-F5344CB8AC3E}">
-        <p14:creationId xmlns:p14="http://schemas.microsoft.com/office/powerpoint/2010/main" val="2527443247"/>
+        <p14:creationId xmlns:p14="http://schemas.microsoft.com/office/powerpoint/2010/main" val="1943503893"/>
       </p:ext>
     </p:extLst>
   </p:cSld>
@@ -3988,7 +3989,7 @@
     </p:spTree>
     <p:extLst>
       <p:ext uri="{BB962C8B-B14F-4D97-AF65-F5344CB8AC3E}">
-        <p14:creationId xmlns:p14="http://schemas.microsoft.com/office/powerpoint/2010/main" val="2089699911"/>
+        <p14:creationId xmlns:p14="http://schemas.microsoft.com/office/powerpoint/2010/main" val="2527443247"/>
       </p:ext>
     </p:extLst>
   </p:cSld>
@@ -4072,7 +4073,7 @@
     </p:spTree>
     <p:extLst>
       <p:ext uri="{BB962C8B-B14F-4D97-AF65-F5344CB8AC3E}">
-        <p14:creationId xmlns:p14="http://schemas.microsoft.com/office/powerpoint/2010/main" val="1327980077"/>
+        <p14:creationId xmlns:p14="http://schemas.microsoft.com/office/powerpoint/2010/main" val="2089699911"/>
       </p:ext>
     </p:extLst>
   </p:cSld>
@@ -4148,6 +4149,90 @@
             <a:fld id="{9CA004F4-F240-48F9-8AE1-486585C7F00D}" type="slidenum">
               <a:rPr lang="en-US" smtClean="0"/>
               <a:t>15</a:t>
+            </a:fld>
+            <a:endParaRPr lang="en-US" dirty="0"/>
+          </a:p>
+        </p:txBody>
+      </p:sp>
+    </p:spTree>
+    <p:extLst>
+      <p:ext uri="{BB962C8B-B14F-4D97-AF65-F5344CB8AC3E}">
+        <p14:creationId xmlns:p14="http://schemas.microsoft.com/office/powerpoint/2010/main" val="1327980077"/>
+      </p:ext>
+    </p:extLst>
+  </p:cSld>
+  <p:clrMapOvr>
+    <a:masterClrMapping/>
+  </p:clrMapOvr>
+</p:notes>
+</file>
+
+<file path=ppt/notesSlides/notesSlide16.xml><?xml version="1.0" encoding="utf-8"?>
+<p:notes xmlns:a="http://schemas.openxmlformats.org/drawingml/2006/main" xmlns:r="http://schemas.openxmlformats.org/officeDocument/2006/relationships" xmlns:p="http://schemas.openxmlformats.org/presentationml/2006/main">
+  <p:cSld>
+    <p:spTree>
+      <p:nvGrpSpPr>
+        <p:cNvPr id="1" name=""/>
+        <p:cNvGrpSpPr/>
+        <p:nvPr/>
+      </p:nvGrpSpPr>
+      <p:grpSpPr>
+        <a:xfrm>
+          <a:off x="0" y="0"/>
+          <a:ext cx="0" cy="0"/>
+          <a:chOff x="0" y="0"/>
+          <a:chExt cx="0" cy="0"/>
+        </a:xfrm>
+      </p:grpSpPr>
+      <p:sp>
+        <p:nvSpPr>
+          <p:cNvPr id="2" name="Slide Image Placeholder 1"/>
+          <p:cNvSpPr>
+            <a:spLocks noGrp="1" noRot="1" noChangeAspect="1"/>
+          </p:cNvSpPr>
+          <p:nvPr>
+            <p:ph type="sldImg"/>
+          </p:nvPr>
+        </p:nvSpPr>
+        <p:spPr/>
+      </p:sp>
+      <p:sp>
+        <p:nvSpPr>
+          <p:cNvPr id="3" name="Notes Placeholder 2"/>
+          <p:cNvSpPr>
+            <a:spLocks noGrp="1"/>
+          </p:cNvSpPr>
+          <p:nvPr>
+            <p:ph type="body" idx="1"/>
+          </p:nvPr>
+        </p:nvSpPr>
+        <p:spPr/>
+        <p:txBody>
+          <a:bodyPr/>
+          <a:lstStyle/>
+          <a:p>
+            <a:endParaRPr lang="en-US" dirty="0"/>
+          </a:p>
+        </p:txBody>
+      </p:sp>
+      <p:sp>
+        <p:nvSpPr>
+          <p:cNvPr id="4" name="Slide Number Placeholder 3"/>
+          <p:cNvSpPr>
+            <a:spLocks noGrp="1"/>
+          </p:cNvSpPr>
+          <p:nvPr>
+            <p:ph type="sldNum" sz="quarter" idx="5"/>
+          </p:nvPr>
+        </p:nvSpPr>
+        <p:spPr/>
+        <p:txBody>
+          <a:bodyPr/>
+          <a:lstStyle/>
+          <a:p>
+            <a:fld id="{9CA004F4-F240-48F9-8AE1-486585C7F00D}" type="slidenum">
+              <a:rPr lang="en-US" smtClean="0"/>
+              <a:t>16</a:t>
             </a:fld>
             <a:endParaRPr lang="en-US" dirty="0"/>
           </a:p>
@@ -4481,18 +4566,78 @@
           <a:bodyPr/>
           <a:lstStyle/>
           <a:p>
+            <a:pPr marL="0" marR="0" lvl="0" indent="0" algn="r" defTabSz="914400" rtl="0" eaLnBrk="1" fontAlgn="auto" latinLnBrk="0" hangingPunct="1">
+              <a:lnSpc>
+                <a:spcPct val="100000"/>
+              </a:lnSpc>
+              <a:spcBef>
+                <a:spcPts val="0"/>
+              </a:spcBef>
+              <a:spcAft>
+                <a:spcPts val="0"/>
+              </a:spcAft>
+              <a:buClrTx/>
+              <a:buSzTx/>
+              <a:buFontTx/>
+              <a:buNone/>
+              <a:tabLst/>
+              <a:defRPr/>
+            </a:pPr>
             <a:fld id="{9CA004F4-F240-48F9-8AE1-486585C7F00D}" type="slidenum">
-              <a:rPr lang="en-US" smtClean="0"/>
+              <a:rPr kumimoji="0" lang="en-US" sz="1200" b="0" i="0" u="none" strike="noStrike" kern="1200" cap="none" spc="0" normalizeH="0" baseline="0" noProof="0" smtClean="0">
+                <a:ln>
+                  <a:noFill/>
+                </a:ln>
+                <a:solidFill>
+                  <a:prstClr val="black"/>
+                </a:solidFill>
+                <a:effectLst/>
+                <a:uLnTx/>
+                <a:uFillTx/>
+                <a:latin typeface="Calibri" panose="020F0502020204030204"/>
+                <a:ea typeface="+mn-ea"/>
+                <a:cs typeface="+mn-cs"/>
+              </a:rPr>
+              <a:pPr marL="0" marR="0" lvl="0" indent="0" algn="r" defTabSz="914400" rtl="0" eaLnBrk="1" fontAlgn="auto" latinLnBrk="0" hangingPunct="1">
+                <a:lnSpc>
+                  <a:spcPct val="100000"/>
+                </a:lnSpc>
+                <a:spcBef>
+                  <a:spcPts val="0"/>
+                </a:spcBef>
+                <a:spcAft>
+                  <a:spcPts val="0"/>
+                </a:spcAft>
+                <a:buClrTx/>
+                <a:buSzTx/>
+                <a:buFontTx/>
+                <a:buNone/>
+                <a:tabLst/>
+                <a:defRPr/>
+              </a:pPr>
               <a:t>5</a:t>
             </a:fld>
-            <a:endParaRPr lang="en-US" dirty="0"/>
+            <a:endParaRPr kumimoji="0" lang="en-US" sz="1200" b="0" i="0" u="none" strike="noStrike" kern="1200" cap="none" spc="0" normalizeH="0" baseline="0" noProof="0" dirty="0">
+              <a:ln>
+                <a:noFill/>
+              </a:ln>
+              <a:solidFill>
+                <a:prstClr val="black"/>
+              </a:solidFill>
+              <a:effectLst/>
+              <a:uLnTx/>
+              <a:uFillTx/>
+              <a:latin typeface="Calibri" panose="020F0502020204030204"/>
+              <a:ea typeface="+mn-ea"/>
+              <a:cs typeface="+mn-cs"/>
+            </a:endParaRPr>
           </a:p>
         </p:txBody>
       </p:sp>
     </p:spTree>
     <p:extLst>
       <p:ext uri="{BB962C8B-B14F-4D97-AF65-F5344CB8AC3E}">
-        <p14:creationId xmlns:p14="http://schemas.microsoft.com/office/powerpoint/2010/main" val="2868485614"/>
+        <p14:creationId xmlns:p14="http://schemas.microsoft.com/office/powerpoint/2010/main" val="3768549432"/>
       </p:ext>
     </p:extLst>
   </p:cSld>
@@ -4576,7 +4721,7 @@
     </p:spTree>
     <p:extLst>
       <p:ext uri="{BB962C8B-B14F-4D97-AF65-F5344CB8AC3E}">
-        <p14:creationId xmlns:p14="http://schemas.microsoft.com/office/powerpoint/2010/main" val="3762868720"/>
+        <p14:creationId xmlns:p14="http://schemas.microsoft.com/office/powerpoint/2010/main" val="2868485614"/>
       </p:ext>
     </p:extLst>
   </p:cSld>
@@ -4660,7 +4805,7 @@
     </p:spTree>
     <p:extLst>
       <p:ext uri="{BB962C8B-B14F-4D97-AF65-F5344CB8AC3E}">
-        <p14:creationId xmlns:p14="http://schemas.microsoft.com/office/powerpoint/2010/main" val="452645605"/>
+        <p14:creationId xmlns:p14="http://schemas.microsoft.com/office/powerpoint/2010/main" val="3762868720"/>
       </p:ext>
     </p:extLst>
   </p:cSld>
@@ -4744,7 +4889,7 @@
     </p:spTree>
     <p:extLst>
       <p:ext uri="{BB962C8B-B14F-4D97-AF65-F5344CB8AC3E}">
-        <p14:creationId xmlns:p14="http://schemas.microsoft.com/office/powerpoint/2010/main" val="1711109279"/>
+        <p14:creationId xmlns:p14="http://schemas.microsoft.com/office/powerpoint/2010/main" val="452645605"/>
       </p:ext>
     </p:extLst>
   </p:cSld>
@@ -4828,7 +4973,7 @@
     </p:spTree>
     <p:extLst>
       <p:ext uri="{BB962C8B-B14F-4D97-AF65-F5344CB8AC3E}">
-        <p14:creationId xmlns:p14="http://schemas.microsoft.com/office/powerpoint/2010/main" val="4183877438"/>
+        <p14:creationId xmlns:p14="http://schemas.microsoft.com/office/powerpoint/2010/main" val="1711109279"/>
       </p:ext>
     </p:extLst>
   </p:cSld>
@@ -10248,6 +10393,195 @@
                   <a:schemeClr val="accent2"/>
                 </a:solidFill>
               </a:rPr>
+              <a:t>Distribution of Brands/Products Mentioned</a:t>
+            </a:r>
+            <a:endParaRPr lang="en-KE" dirty="0"/>
+          </a:p>
+        </p:txBody>
+      </p:sp>
+      <p:sp>
+        <p:nvSpPr>
+          <p:cNvPr id="8" name="TextBox 7">
+            <a:extLst>
+              <a:ext uri="{FF2B5EF4-FFF2-40B4-BE49-F238E27FC236}">
+                <a16:creationId xmlns:a16="http://schemas.microsoft.com/office/drawing/2014/main" id="{38AAE6D7-5968-497B-BE2B-7F931BF096B4}"/>
+              </a:ext>
+            </a:extLst>
+          </p:cNvPr>
+          <p:cNvSpPr txBox="1"/>
+          <p:nvPr/>
+        </p:nvSpPr>
+        <p:spPr>
+          <a:xfrm>
+            <a:off x="2169226" y="5496213"/>
+            <a:ext cx="8680862" cy="646331"/>
+          </a:xfrm>
+          <a:prstGeom prst="rect">
+            <a:avLst/>
+          </a:prstGeom>
+          <a:noFill/>
+        </p:spPr>
+        <p:txBody>
+          <a:bodyPr wrap="square" rtlCol="0">
+            <a:spAutoFit/>
+          </a:bodyPr>
+          <a:lstStyle/>
+          <a:p>
+            <a:r>
+              <a:rPr lang="en-US" dirty="0"/>
+              <a:t>Most respondents emotion is directed to unknown brands and </a:t>
+            </a:r>
+            <a:r>
+              <a:rPr lang="en-US" dirty="0" err="1"/>
+              <a:t>iphone</a:t>
+            </a:r>
+            <a:r>
+              <a:rPr lang="en-US" dirty="0"/>
+              <a:t> products(</a:t>
+            </a:r>
+            <a:r>
+              <a:rPr lang="en-US" dirty="0" err="1"/>
+              <a:t>iphone</a:t>
+            </a:r>
+            <a:r>
+              <a:rPr lang="en-US" dirty="0"/>
+              <a:t> and </a:t>
+            </a:r>
+            <a:r>
+              <a:rPr lang="en-US" dirty="0" err="1"/>
+              <a:t>ipad</a:t>
+            </a:r>
+            <a:r>
+              <a:rPr lang="en-US" dirty="0"/>
+              <a:t>) follow as top 3 brands which emotions are directed at.</a:t>
+            </a:r>
+            <a:endParaRPr lang="en-KE" dirty="0"/>
+          </a:p>
+        </p:txBody>
+      </p:sp>
+      <p:pic>
+        <p:nvPicPr>
+          <p:cNvPr id="10" name="Picture 9">
+            <a:extLst>
+              <a:ext uri="{FF2B5EF4-FFF2-40B4-BE49-F238E27FC236}">
+                <a16:creationId xmlns:a16="http://schemas.microsoft.com/office/drawing/2014/main" id="{6BEEBA53-36B0-4DFC-8726-1ECABC485B0F}"/>
+              </a:ext>
+            </a:extLst>
+          </p:cNvPr>
+          <p:cNvPicPr>
+            <a:picLocks noChangeAspect="1"/>
+          </p:cNvPicPr>
+          <p:nvPr/>
+        </p:nvPicPr>
+        <p:blipFill>
+          <a:blip r:embed="rId3"/>
+          <a:stretch>
+            <a:fillRect/>
+          </a:stretch>
+        </p:blipFill>
+        <p:spPr>
+          <a:xfrm>
+            <a:off x="2264228" y="1361786"/>
+            <a:ext cx="8585860" cy="4134427"/>
+          </a:xfrm>
+          <a:prstGeom prst="rect">
+            <a:avLst/>
+          </a:prstGeom>
+        </p:spPr>
+      </p:pic>
+    </p:spTree>
+    <p:extLst>
+      <p:ext uri="{BB962C8B-B14F-4D97-AF65-F5344CB8AC3E}">
+        <p14:creationId xmlns:p14="http://schemas.microsoft.com/office/powerpoint/2010/main" val="1354744365"/>
+      </p:ext>
+    </p:extLst>
+  </p:cSld>
+  <p:clrMapOvr>
+    <a:masterClrMapping/>
+  </p:clrMapOvr>
+</p:sld>
+</file>
+
+<file path=ppt/slides/slide11.xml><?xml version="1.0" encoding="utf-8"?>
+<p:sld xmlns:a="http://schemas.openxmlformats.org/drawingml/2006/main" xmlns:r="http://schemas.openxmlformats.org/officeDocument/2006/relationships" xmlns:p="http://schemas.openxmlformats.org/presentationml/2006/main">
+  <p:cSld>
+    <p:spTree>
+      <p:nvGrpSpPr>
+        <p:cNvPr id="1" name=""/>
+        <p:cNvGrpSpPr/>
+        <p:nvPr/>
+      </p:nvGrpSpPr>
+      <p:grpSpPr>
+        <a:xfrm>
+          <a:off x="0" y="0"/>
+          <a:ext cx="0" cy="0"/>
+          <a:chOff x="0" y="0"/>
+          <a:chExt cx="0" cy="0"/>
+        </a:xfrm>
+      </p:grpSpPr>
+      <p:sp>
+        <p:nvSpPr>
+          <p:cNvPr id="2" name="Slide Number Placeholder 1">
+            <a:extLst>
+              <a:ext uri="{FF2B5EF4-FFF2-40B4-BE49-F238E27FC236}">
+                <a16:creationId xmlns:a16="http://schemas.microsoft.com/office/drawing/2014/main" id="{6EC5A228-0BB3-460B-97CB-3667DC43DFD4}"/>
+              </a:ext>
+            </a:extLst>
+          </p:cNvPr>
+          <p:cNvSpPr>
+            <a:spLocks noGrp="1"/>
+          </p:cNvSpPr>
+          <p:nvPr>
+            <p:ph type="sldNum" sz="quarter" idx="12"/>
+          </p:nvPr>
+        </p:nvSpPr>
+        <p:spPr/>
+        <p:txBody>
+          <a:bodyPr/>
+          <a:lstStyle/>
+          <a:p>
+            <a:fld id="{82EE24B5-652C-4DB5-B7C3-B5BBEC1280B1}" type="slidenum">
+              <a:rPr lang="en-US" smtClean="0"/>
+              <a:t>11</a:t>
+            </a:fld>
+            <a:endParaRPr lang="en-US" dirty="0"/>
+          </a:p>
+        </p:txBody>
+      </p:sp>
+      <p:sp>
+        <p:nvSpPr>
+          <p:cNvPr id="5" name="TextBox 4">
+            <a:extLst>
+              <a:ext uri="{FF2B5EF4-FFF2-40B4-BE49-F238E27FC236}">
+                <a16:creationId xmlns:a16="http://schemas.microsoft.com/office/drawing/2014/main" id="{4A4884DE-A726-436D-8761-B81B252F56EB}"/>
+              </a:ext>
+            </a:extLst>
+          </p:cNvPr>
+          <p:cNvSpPr txBox="1"/>
+          <p:nvPr/>
+        </p:nvSpPr>
+        <p:spPr>
+          <a:xfrm>
+            <a:off x="890649" y="715455"/>
+            <a:ext cx="5048312" cy="369332"/>
+          </a:xfrm>
+          <a:prstGeom prst="rect">
+            <a:avLst/>
+          </a:prstGeom>
+          <a:noFill/>
+        </p:spPr>
+        <p:txBody>
+          <a:bodyPr wrap="square" rtlCol="0">
+            <a:spAutoFit/>
+          </a:bodyPr>
+          <a:lstStyle/>
+          <a:p>
+            <a:r>
+              <a:rPr lang="en-US" b="1" dirty="0">
+                <a:solidFill>
+                  <a:schemeClr val="accent2"/>
+                </a:solidFill>
+              </a:rPr>
               <a:t>Word Cloud from Tweets</a:t>
             </a:r>
             <a:endParaRPr lang="en-KE" dirty="0"/>
@@ -10338,7 +10672,7 @@
 </p:sld>
 </file>
 
-<file path=ppt/slides/slide11.xml><?xml version="1.0" encoding="utf-8"?>
+<file path=ppt/slides/slide12.xml><?xml version="1.0" encoding="utf-8"?>
 <p:sld xmlns:a="http://schemas.openxmlformats.org/drawingml/2006/main" xmlns:r="http://schemas.openxmlformats.org/officeDocument/2006/relationships" xmlns:p="http://schemas.openxmlformats.org/presentationml/2006/main">
   <p:cSld>
     <p:spTree>
@@ -10378,7 +10712,7 @@
           <a:p>
             <a:fld id="{82EE24B5-652C-4DB5-B7C3-B5BBEC1280B1}" type="slidenum">
               <a:rPr lang="en-US" smtClean="0"/>
-              <a:t>11</a:t>
+              <a:t>12</a:t>
             </a:fld>
             <a:endParaRPr lang="en-US" dirty="0"/>
           </a:p>
@@ -10508,7 +10842,7 @@
 </p:sld>
 </file>
 
-<file path=ppt/slides/slide12.xml><?xml version="1.0" encoding="utf-8"?>
+<file path=ppt/slides/slide13.xml><?xml version="1.0" encoding="utf-8"?>
 <p:sld xmlns:a="http://schemas.openxmlformats.org/drawingml/2006/main" xmlns:r="http://schemas.openxmlformats.org/officeDocument/2006/relationships" xmlns:p="http://schemas.openxmlformats.org/presentationml/2006/main">
   <p:cSld>
     <p:spTree>
@@ -10548,7 +10882,7 @@
           <a:p>
             <a:fld id="{82EE24B5-652C-4DB5-B7C3-B5BBEC1280B1}" type="slidenum">
               <a:rPr lang="en-US" smtClean="0"/>
-              <a:t>12</a:t>
+              <a:t>13</a:t>
             </a:fld>
             <a:endParaRPr lang="en-US" dirty="0"/>
           </a:p>
@@ -11565,7 +11899,7 @@
 </p:sld>
 </file>
 
-<file path=ppt/slides/slide13.xml><?xml version="1.0" encoding="utf-8"?>
+<file path=ppt/slides/slide14.xml><?xml version="1.0" encoding="utf-8"?>
 <p:sld xmlns:a="http://schemas.openxmlformats.org/drawingml/2006/main" xmlns:r="http://schemas.openxmlformats.org/officeDocument/2006/relationships" xmlns:p="http://schemas.openxmlformats.org/presentationml/2006/main">
   <p:cSld>
     <p:spTree>
@@ -11706,7 +12040,7 @@
           <a:p>
             <a:fld id="{82EE24B5-652C-4DB5-B7C3-B5BBEC1280B1}" type="slidenum">
               <a:rPr lang="en-US" smtClean="0"/>
-              <a:t>13</a:t>
+              <a:t>14</a:t>
             </a:fld>
             <a:endParaRPr lang="en-US" dirty="0"/>
           </a:p>
@@ -11959,7 +12293,7 @@
 </p:sld>
 </file>
 
-<file path=ppt/slides/slide14.xml><?xml version="1.0" encoding="utf-8"?>
+<file path=ppt/slides/slide15.xml><?xml version="1.0" encoding="utf-8"?>
 <p:sld xmlns:a="http://schemas.openxmlformats.org/drawingml/2006/main" xmlns:r="http://schemas.openxmlformats.org/officeDocument/2006/relationships" xmlns:p="http://schemas.openxmlformats.org/presentationml/2006/main">
   <p:cSld>
     <p:spTree>
@@ -12201,7 +12535,7 @@
           <a:p>
             <a:fld id="{82EE24B5-652C-4DB5-B7C3-B5BBEC1280B1}" type="slidenum">
               <a:rPr lang="en-US" smtClean="0"/>
-              <a:t>14</a:t>
+              <a:t>15</a:t>
             </a:fld>
             <a:endParaRPr lang="en-US" dirty="0"/>
           </a:p>
@@ -12626,7 +12960,7 @@
 </p:sld>
 </file>
 
-<file path=ppt/slides/slide15.xml><?xml version="1.0" encoding="utf-8"?>
+<file path=ppt/slides/slide16.xml><?xml version="1.0" encoding="utf-8"?>
 <p:sld xmlns:a="http://schemas.openxmlformats.org/drawingml/2006/main" xmlns:r="http://schemas.openxmlformats.org/officeDocument/2006/relationships" xmlns:p="http://schemas.openxmlformats.org/presentationml/2006/main">
   <p:cSld>
     <p:spTree>
@@ -14916,6 +15250,290 @@
 </file>
 
 <file path=ppt/slides/slide5.xml><?xml version="1.0" encoding="utf-8"?>
+<p:sld xmlns:a="http://schemas.openxmlformats.org/drawingml/2006/main" xmlns:r="http://schemas.openxmlformats.org/officeDocument/2006/relationships" xmlns:p="http://schemas.openxmlformats.org/presentationml/2006/main">
+  <p:cSld>
+    <p:spTree>
+      <p:nvGrpSpPr>
+        <p:cNvPr id="1" name=""/>
+        <p:cNvGrpSpPr/>
+        <p:nvPr/>
+      </p:nvGrpSpPr>
+      <p:grpSpPr>
+        <a:xfrm>
+          <a:off x="0" y="0"/>
+          <a:ext cx="0" cy="0"/>
+          <a:chOff x="0" y="0"/>
+          <a:chExt cx="0" cy="0"/>
+        </a:xfrm>
+      </p:grpSpPr>
+      <p:sp>
+        <p:nvSpPr>
+          <p:cNvPr id="3" name="Title 2">
+            <a:extLst>
+              <a:ext uri="{FF2B5EF4-FFF2-40B4-BE49-F238E27FC236}">
+                <a16:creationId xmlns:a16="http://schemas.microsoft.com/office/drawing/2014/main" id="{2C750891-B331-46E3-89A1-0996C3679973}"/>
+              </a:ext>
+            </a:extLst>
+          </p:cNvPr>
+          <p:cNvSpPr>
+            <a:spLocks noGrp="1"/>
+          </p:cNvSpPr>
+          <p:nvPr>
+            <p:ph type="title"/>
+          </p:nvPr>
+        </p:nvSpPr>
+        <p:spPr/>
+        <p:txBody>
+          <a:bodyPr/>
+          <a:lstStyle/>
+          <a:p>
+            <a:r>
+              <a:rPr lang="en-US" dirty="0"/>
+              <a:t>METHODOLOGY</a:t>
+            </a:r>
+          </a:p>
+        </p:txBody>
+      </p:sp>
+      <p:sp>
+        <p:nvSpPr>
+          <p:cNvPr id="2" name="Slide Number Placeholder 1">
+            <a:extLst>
+              <a:ext uri="{FF2B5EF4-FFF2-40B4-BE49-F238E27FC236}">
+                <a16:creationId xmlns:a16="http://schemas.microsoft.com/office/drawing/2014/main" id="{6EC5A228-0BB3-460B-97CB-3667DC43DFD4}"/>
+              </a:ext>
+            </a:extLst>
+          </p:cNvPr>
+          <p:cNvSpPr>
+            <a:spLocks noGrp="1"/>
+          </p:cNvSpPr>
+          <p:nvPr>
+            <p:ph type="sldNum" sz="quarter" idx="12"/>
+          </p:nvPr>
+        </p:nvSpPr>
+        <p:spPr/>
+        <p:txBody>
+          <a:bodyPr/>
+          <a:lstStyle/>
+          <a:p>
+            <a:pPr marL="0" marR="0" lvl="0" indent="0" algn="r" defTabSz="914400" rtl="0" eaLnBrk="1" fontAlgn="auto" latinLnBrk="0" hangingPunct="1">
+              <a:lnSpc>
+                <a:spcPct val="100000"/>
+              </a:lnSpc>
+              <a:spcBef>
+                <a:spcPts val="0"/>
+              </a:spcBef>
+              <a:spcAft>
+                <a:spcPts val="0"/>
+              </a:spcAft>
+              <a:buClrTx/>
+              <a:buSzTx/>
+              <a:buFontTx/>
+              <a:buNone/>
+              <a:tabLst/>
+              <a:defRPr/>
+            </a:pPr>
+            <a:fld id="{82EE24B5-652C-4DB5-B7C3-B5BBEC1280B1}" type="slidenum">
+              <a:rPr kumimoji="0" lang="en-US" sz="1000" b="0" i="1" u="none" strike="noStrike" kern="1200" cap="none" spc="0" normalizeH="0" baseline="0" noProof="0" smtClean="0">
+                <a:ln>
+                  <a:noFill/>
+                </a:ln>
+                <a:solidFill>
+                  <a:srgbClr val="00292E">
+                    <a:alpha val="70000"/>
+                  </a:srgbClr>
+                </a:solidFill>
+                <a:effectLst/>
+                <a:uLnTx/>
+                <a:uFillTx/>
+                <a:latin typeface="Arial "/>
+                <a:ea typeface="+mn-ea"/>
+                <a:cs typeface="+mn-cs"/>
+              </a:rPr>
+              <a:pPr marL="0" marR="0" lvl="0" indent="0" algn="r" defTabSz="914400" rtl="0" eaLnBrk="1" fontAlgn="auto" latinLnBrk="0" hangingPunct="1">
+                <a:lnSpc>
+                  <a:spcPct val="100000"/>
+                </a:lnSpc>
+                <a:spcBef>
+                  <a:spcPts val="0"/>
+                </a:spcBef>
+                <a:spcAft>
+                  <a:spcPts val="0"/>
+                </a:spcAft>
+                <a:buClrTx/>
+                <a:buSzTx/>
+                <a:buFontTx/>
+                <a:buNone/>
+                <a:tabLst/>
+                <a:defRPr/>
+              </a:pPr>
+              <a:t>5</a:t>
+            </a:fld>
+            <a:endParaRPr kumimoji="0" lang="en-US" sz="1000" b="0" i="1" u="none" strike="noStrike" kern="1200" cap="none" spc="0" normalizeH="0" baseline="0" noProof="0" dirty="0">
+              <a:ln>
+                <a:noFill/>
+              </a:ln>
+              <a:solidFill>
+                <a:srgbClr val="00292E">
+                  <a:alpha val="70000"/>
+                </a:srgbClr>
+              </a:solidFill>
+              <a:effectLst/>
+              <a:uLnTx/>
+              <a:uFillTx/>
+              <a:latin typeface="Arial "/>
+              <a:ea typeface="+mn-ea"/>
+              <a:cs typeface="+mn-cs"/>
+            </a:endParaRPr>
+          </a:p>
+        </p:txBody>
+      </p:sp>
+      <p:sp>
+        <p:nvSpPr>
+          <p:cNvPr id="6" name="object 18" descr="Beige rectangle">
+            <a:extLst>
+              <a:ext uri="{FF2B5EF4-FFF2-40B4-BE49-F238E27FC236}">
+                <a16:creationId xmlns:a16="http://schemas.microsoft.com/office/drawing/2014/main" id="{31A1F953-41C3-4B9E-9EA3-26087E184E71}"/>
+              </a:ext>
+            </a:extLst>
+          </p:cNvPr>
+          <p:cNvSpPr/>
+          <p:nvPr/>
+        </p:nvSpPr>
+        <p:spPr>
+          <a:xfrm>
+            <a:off x="942535" y="1337304"/>
+            <a:ext cx="3708000" cy="0"/>
+          </a:xfrm>
+          <a:custGeom>
+            <a:avLst/>
+            <a:gdLst/>
+            <a:ahLst/>
+            <a:cxnLst/>
+            <a:rect l="l" t="t" r="r" b="b"/>
+            <a:pathLst>
+              <a:path w="3218815">
+                <a:moveTo>
+                  <a:pt x="0" y="0"/>
+                </a:moveTo>
+                <a:lnTo>
+                  <a:pt x="3218395" y="0"/>
+                </a:lnTo>
+              </a:path>
+            </a:pathLst>
+          </a:custGeom>
+          <a:ln w="54863">
+            <a:solidFill>
+              <a:schemeClr val="accent1"/>
+            </a:solidFill>
+          </a:ln>
+        </p:spPr>
+        <p:txBody>
+          <a:bodyPr wrap="square" lIns="0" tIns="0" rIns="0" bIns="0" rtlCol="0"/>
+          <a:lstStyle/>
+          <a:p>
+            <a:pPr marL="0" marR="0" lvl="0" indent="0" algn="l" defTabSz="914400" rtl="0" eaLnBrk="1" fontAlgn="auto" latinLnBrk="0" hangingPunct="1">
+              <a:lnSpc>
+                <a:spcPct val="100000"/>
+              </a:lnSpc>
+              <a:spcBef>
+                <a:spcPts val="0"/>
+              </a:spcBef>
+              <a:spcAft>
+                <a:spcPts val="0"/>
+              </a:spcAft>
+              <a:buClrTx/>
+              <a:buSzTx/>
+              <a:buFontTx/>
+              <a:buNone/>
+              <a:tabLst/>
+              <a:defRPr/>
+            </a:pPr>
+            <a:endParaRPr kumimoji="0" lang="en-US" sz="1800" b="0" i="0" u="none" strike="noStrike" kern="1200" cap="none" spc="0" normalizeH="0" baseline="0" noProof="0" dirty="0">
+              <a:ln>
+                <a:noFill/>
+              </a:ln>
+              <a:solidFill>
+                <a:prstClr val="black"/>
+              </a:solidFill>
+              <a:effectLst/>
+              <a:uLnTx/>
+              <a:uFillTx/>
+              <a:latin typeface="Arial "/>
+              <a:ea typeface="+mn-ea"/>
+              <a:cs typeface="+mn-cs"/>
+            </a:endParaRPr>
+          </a:p>
+        </p:txBody>
+      </p:sp>
+      <p:sp>
+        <p:nvSpPr>
+          <p:cNvPr id="8" name="Rectangle 7">
+            <a:extLst>
+              <a:ext uri="{FF2B5EF4-FFF2-40B4-BE49-F238E27FC236}">
+                <a16:creationId xmlns:a16="http://schemas.microsoft.com/office/drawing/2014/main" id="{BDEC6CF7-AE04-425C-93B9-7CEF9AF69A4C}"/>
+              </a:ext>
+            </a:extLst>
+          </p:cNvPr>
+          <p:cNvSpPr/>
+          <p:nvPr/>
+        </p:nvSpPr>
+        <p:spPr>
+          <a:xfrm>
+            <a:off x="942534" y="1515985"/>
+            <a:ext cx="10078391" cy="4658876"/>
+          </a:xfrm>
+          <a:prstGeom prst="rect">
+            <a:avLst/>
+          </a:prstGeom>
+          <a:blipFill>
+            <a:blip r:embed="rId3"/>
+            <a:stretch>
+              <a:fillRect/>
+            </a:stretch>
+          </a:blipFill>
+          <a:ln>
+            <a:noFill/>
+          </a:ln>
+        </p:spPr>
+        <p:style>
+          <a:lnRef idx="2">
+            <a:schemeClr val="accent1">
+              <a:shade val="50000"/>
+            </a:schemeClr>
+          </a:lnRef>
+          <a:fillRef idx="1">
+            <a:schemeClr val="accent1"/>
+          </a:fillRef>
+          <a:effectRef idx="0">
+            <a:schemeClr val="accent1"/>
+          </a:effectRef>
+          <a:fontRef idx="minor">
+            <a:schemeClr val="lt1"/>
+          </a:fontRef>
+        </p:style>
+        <p:txBody>
+          <a:bodyPr rtlCol="0" anchor="ctr"/>
+          <a:lstStyle/>
+          <a:p>
+            <a:pPr algn="ctr"/>
+            <a:endParaRPr lang="en-KE"/>
+          </a:p>
+        </p:txBody>
+      </p:sp>
+    </p:spTree>
+    <p:extLst>
+      <p:ext uri="{BB962C8B-B14F-4D97-AF65-F5344CB8AC3E}">
+        <p14:creationId xmlns:p14="http://schemas.microsoft.com/office/powerpoint/2010/main" val="4229595947"/>
+      </p:ext>
+    </p:extLst>
+  </p:cSld>
+  <p:clrMapOvr>
+    <a:masterClrMapping/>
+  </p:clrMapOvr>
+</p:sld>
+</file>
+
+<file path=ppt/slides/slide6.xml><?xml version="1.0" encoding="utf-8"?>
 <p:sld xmlns:a="http://schemas.openxmlformats.org/drawingml/2006/main" xmlns:r="http://schemas.openxmlformats.org/officeDocument/2006/relationships" xmlns:p="http://schemas.openxmlformats.org/presentationml/2006/main">
   <p:cSld>
     <p:spTree>
@@ -16071,7 +16689,7 @@
 </p:sld>
 </file>
 
-<file path=ppt/slides/slide6.xml><?xml version="1.0" encoding="utf-8"?>
+<file path=ppt/slides/slide7.xml><?xml version="1.0" encoding="utf-8"?>
 <p:sld xmlns:a="http://schemas.openxmlformats.org/drawingml/2006/main" xmlns:r="http://schemas.openxmlformats.org/officeDocument/2006/relationships" xmlns:p="http://schemas.openxmlformats.org/presentationml/2006/main">
   <p:cSld>
     <p:spTree>
@@ -16241,7 +16859,7 @@
           <a:p>
             <a:fld id="{82EE24B5-652C-4DB5-B7C3-B5BBEC1280B1}" type="slidenum">
               <a:rPr lang="en-US" smtClean="0"/>
-              <a:t>6</a:t>
+              <a:t>7</a:t>
             </a:fld>
             <a:endParaRPr lang="en-US" dirty="0"/>
           </a:p>
@@ -16263,14 +16881,14 @@
             <p:ph sz="half" idx="4294967295"/>
             <p:extLst>
               <p:ext uri="{D42A27DB-BD31-4B8C-83A1-F6EECF244321}">
-                <p14:modId xmlns:p14="http://schemas.microsoft.com/office/powerpoint/2010/main" val="2724973638"/>
+                <p14:modId xmlns:p14="http://schemas.microsoft.com/office/powerpoint/2010/main" val="1145762639"/>
               </p:ext>
             </p:extLst>
           </p:nvPr>
         </p:nvGraphicFramePr>
         <p:xfrm>
           <a:off x="859454" y="2544763"/>
-          <a:ext cx="10966507" cy="2011680"/>
+          <a:ext cx="10966507" cy="1830960"/>
         </p:xfrm>
         <a:graphic>
           <a:graphicData uri="http://schemas.openxmlformats.org/drawingml/2006/table">
@@ -17145,42 +17763,6 @@
                         <a:tabLst/>
                         <a:defRPr/>
                       </a:pPr>
-                      <a:endParaRPr kumimoji="0" lang="da-DK" sz="1800" b="0" i="1" u="none" strike="noStrike" kern="1200" cap="none" spc="-25" normalizeH="0" baseline="0" noProof="0" dirty="0">
-                        <a:ln>
-                          <a:noFill/>
-                        </a:ln>
-                        <a:solidFill>
-                          <a:srgbClr val="64B2C1">
-                            <a:lumMod val="20000"/>
-                            <a:lumOff val="80000"/>
-                          </a:srgbClr>
-                        </a:solidFill>
-                        <a:effectLst/>
-                        <a:uLnTx/>
-                        <a:uFillTx/>
-                        <a:latin typeface="Arial "/>
-                        <a:ea typeface="+mn-ea"/>
-                        <a:cs typeface="Arial"/>
-                      </a:endParaRPr>
-                    </a:p>
-                    <a:p>
-                      <a:pPr marL="0" marR="0" lvl="0" indent="0" algn="ctr" defTabSz="914400" rtl="0" eaLnBrk="1" fontAlgn="auto" latinLnBrk="0" hangingPunct="1">
-                        <a:lnSpc>
-                          <a:spcPct val="100000"/>
-                        </a:lnSpc>
-                        <a:spcBef>
-                          <a:spcPts val="0"/>
-                        </a:spcBef>
-                        <a:spcAft>
-                          <a:spcPts val="0"/>
-                        </a:spcAft>
-                        <a:buClrTx/>
-                        <a:buSzTx/>
-                        <a:buFontTx/>
-                        <a:buNone/>
-                        <a:tabLst/>
-                        <a:defRPr/>
-                      </a:pPr>
                       <a:r>
                         <a:rPr lang="en-US" sz="1800" b="0" i="0" kern="1200" dirty="0" err="1">
                           <a:solidFill>
@@ -17384,47 +17966,6 @@
           </a:p>
         </p:txBody>
       </p:sp>
-      <p:cxnSp>
-        <p:nvCxnSpPr>
-          <p:cNvPr id="10" name="Straight Connector 9" descr="Line">
-            <a:extLst>
-              <a:ext uri="{FF2B5EF4-FFF2-40B4-BE49-F238E27FC236}">
-                <a16:creationId xmlns:a16="http://schemas.microsoft.com/office/drawing/2014/main" id="{4C3F4FC5-0C01-4592-9483-D476EA2BDF93}"/>
-              </a:ext>
-            </a:extLst>
-          </p:cNvPr>
-          <p:cNvCxnSpPr/>
-          <p:nvPr/>
-        </p:nvCxnSpPr>
-        <p:spPr>
-          <a:xfrm>
-            <a:off x="6096000" y="4124378"/>
-            <a:ext cx="0" cy="396000"/>
-          </a:xfrm>
-          <a:prstGeom prst="line">
-            <a:avLst/>
-          </a:prstGeom>
-          <a:ln w="12700">
-            <a:solidFill>
-              <a:schemeClr val="bg2"/>
-            </a:solidFill>
-          </a:ln>
-        </p:spPr>
-        <p:style>
-          <a:lnRef idx="1">
-            <a:schemeClr val="accent1"/>
-          </a:lnRef>
-          <a:fillRef idx="0">
-            <a:schemeClr val="accent1"/>
-          </a:fillRef>
-          <a:effectRef idx="0">
-            <a:schemeClr val="accent1"/>
-          </a:effectRef>
-          <a:fontRef idx="minor">
-            <a:schemeClr val="tx1"/>
-          </a:fontRef>
-        </p:style>
-      </p:cxnSp>
       <p:sp>
         <p:nvSpPr>
           <p:cNvPr id="14" name="Oval 13" descr="Beige oval">
@@ -17497,7 +18038,7 @@
 </p:sld>
 </file>
 
-<file path=ppt/slides/slide7.xml><?xml version="1.0" encoding="utf-8"?>
+<file path=ppt/slides/slide8.xml><?xml version="1.0" encoding="utf-8"?>
 <p:sld xmlns:a="http://schemas.openxmlformats.org/drawingml/2006/main" xmlns:r="http://schemas.openxmlformats.org/officeDocument/2006/relationships" xmlns:p="http://schemas.openxmlformats.org/presentationml/2006/main">
   <p:cSld>
     <p:spTree>
@@ -17565,7 +18106,7 @@
           <a:p>
             <a:fld id="{82EE24B5-652C-4DB5-B7C3-B5BBEC1280B1}" type="slidenum">
               <a:rPr lang="en-US" smtClean="0"/>
-              <a:t>7</a:t>
+              <a:t>8</a:t>
             </a:fld>
             <a:endParaRPr lang="en-US" dirty="0"/>
           </a:p>
@@ -17740,7 +18281,7 @@
 </p:sld>
 </file>
 
-<file path=ppt/slides/slide8.xml><?xml version="1.0" encoding="utf-8"?>
+<file path=ppt/slides/slide9.xml><?xml version="1.0" encoding="utf-8"?>
 <p:sld xmlns:a="http://schemas.openxmlformats.org/drawingml/2006/main" xmlns:r="http://schemas.openxmlformats.org/officeDocument/2006/relationships" xmlns:p="http://schemas.openxmlformats.org/presentationml/2006/main">
   <p:cSld>
     <p:spTree>
@@ -17780,7 +18321,7 @@
           <a:p>
             <a:fld id="{82EE24B5-652C-4DB5-B7C3-B5BBEC1280B1}" type="slidenum">
               <a:rPr lang="en-US" smtClean="0"/>
-              <a:t>8</a:t>
+              <a:t>9</a:t>
             </a:fld>
             <a:endParaRPr lang="en-US" dirty="0"/>
           </a:p>
@@ -17928,203 +18469,6 @@
     <p:extLst>
       <p:ext uri="{BB962C8B-B14F-4D97-AF65-F5344CB8AC3E}">
         <p14:creationId xmlns:p14="http://schemas.microsoft.com/office/powerpoint/2010/main" val="931813670"/>
-      </p:ext>
-    </p:extLst>
-  </p:cSld>
-  <p:clrMapOvr>
-    <a:masterClrMapping/>
-  </p:clrMapOvr>
-</p:sld>
-</file>
-
-<file path=ppt/slides/slide9.xml><?xml version="1.0" encoding="utf-8"?>
-<p:sld xmlns:a="http://schemas.openxmlformats.org/drawingml/2006/main" xmlns:r="http://schemas.openxmlformats.org/officeDocument/2006/relationships" xmlns:p="http://schemas.openxmlformats.org/presentationml/2006/main">
-  <p:cSld>
-    <p:spTree>
-      <p:nvGrpSpPr>
-        <p:cNvPr id="1" name=""/>
-        <p:cNvGrpSpPr/>
-        <p:nvPr/>
-      </p:nvGrpSpPr>
-      <p:grpSpPr>
-        <a:xfrm>
-          <a:off x="0" y="0"/>
-          <a:ext cx="0" cy="0"/>
-          <a:chOff x="0" y="0"/>
-          <a:chExt cx="0" cy="0"/>
-        </a:xfrm>
-      </p:grpSpPr>
-      <p:sp>
-        <p:nvSpPr>
-          <p:cNvPr id="2" name="Slide Number Placeholder 1">
-            <a:extLst>
-              <a:ext uri="{FF2B5EF4-FFF2-40B4-BE49-F238E27FC236}">
-                <a16:creationId xmlns:a16="http://schemas.microsoft.com/office/drawing/2014/main" id="{6EC5A228-0BB3-460B-97CB-3667DC43DFD4}"/>
-              </a:ext>
-            </a:extLst>
-          </p:cNvPr>
-          <p:cNvSpPr>
-            <a:spLocks noGrp="1"/>
-          </p:cNvSpPr>
-          <p:nvPr>
-            <p:ph type="sldNum" sz="quarter" idx="12"/>
-          </p:nvPr>
-        </p:nvSpPr>
-        <p:spPr/>
-        <p:txBody>
-          <a:bodyPr/>
-          <a:lstStyle/>
-          <a:p>
-            <a:fld id="{82EE24B5-652C-4DB5-B7C3-B5BBEC1280B1}" type="slidenum">
-              <a:rPr lang="en-US" smtClean="0"/>
-              <a:t>9</a:t>
-            </a:fld>
-            <a:endParaRPr lang="en-US" dirty="0"/>
-          </a:p>
-        </p:txBody>
-      </p:sp>
-      <p:sp>
-        <p:nvSpPr>
-          <p:cNvPr id="5" name="TextBox 4">
-            <a:extLst>
-              <a:ext uri="{FF2B5EF4-FFF2-40B4-BE49-F238E27FC236}">
-                <a16:creationId xmlns:a16="http://schemas.microsoft.com/office/drawing/2014/main" id="{4A4884DE-A726-436D-8761-B81B252F56EB}"/>
-              </a:ext>
-            </a:extLst>
-          </p:cNvPr>
-          <p:cNvSpPr txBox="1"/>
-          <p:nvPr/>
-        </p:nvSpPr>
-        <p:spPr>
-          <a:xfrm>
-            <a:off x="890649" y="715455"/>
-            <a:ext cx="5048312" cy="369332"/>
-          </a:xfrm>
-          <a:prstGeom prst="rect">
-            <a:avLst/>
-          </a:prstGeom>
-          <a:noFill/>
-        </p:spPr>
-        <p:txBody>
-          <a:bodyPr wrap="square" rtlCol="0">
-            <a:spAutoFit/>
-          </a:bodyPr>
-          <a:lstStyle/>
-          <a:p>
-            <a:r>
-              <a:rPr lang="en-US" b="1" dirty="0">
-                <a:solidFill>
-                  <a:schemeClr val="accent2"/>
-                </a:solidFill>
-              </a:rPr>
-              <a:t>Distribution of Brands/Products Mentioned</a:t>
-            </a:r>
-            <a:endParaRPr lang="en-KE" dirty="0"/>
-          </a:p>
-        </p:txBody>
-      </p:sp>
-      <p:sp>
-        <p:nvSpPr>
-          <p:cNvPr id="8" name="TextBox 7">
-            <a:extLst>
-              <a:ext uri="{FF2B5EF4-FFF2-40B4-BE49-F238E27FC236}">
-                <a16:creationId xmlns:a16="http://schemas.microsoft.com/office/drawing/2014/main" id="{38AAE6D7-5968-497B-BE2B-7F931BF096B4}"/>
-              </a:ext>
-            </a:extLst>
-          </p:cNvPr>
-          <p:cNvSpPr txBox="1"/>
-          <p:nvPr/>
-        </p:nvSpPr>
-        <p:spPr>
-          <a:xfrm>
-            <a:off x="2169226" y="5496213"/>
-            <a:ext cx="8680862" cy="646331"/>
-          </a:xfrm>
-          <a:prstGeom prst="rect">
-            <a:avLst/>
-          </a:prstGeom>
-          <a:noFill/>
-        </p:spPr>
-        <p:txBody>
-          <a:bodyPr wrap="square" rtlCol="0">
-            <a:spAutoFit/>
-          </a:bodyPr>
-          <a:lstStyle/>
-          <a:p>
-            <a:r>
-              <a:rPr lang="en-US" dirty="0"/>
-              <a:t>Most respondents emotion is directed to unknown </a:t>
-            </a:r>
-            <a:r>
-              <a:rPr lang="en-US" dirty="0" err="1"/>
-              <a:t>barnds</a:t>
-            </a:r>
-            <a:r>
-              <a:rPr lang="en-US" dirty="0"/>
-              <a:t> and </a:t>
-            </a:r>
-            <a:r>
-              <a:rPr lang="en-US" dirty="0" err="1"/>
-              <a:t>iphone</a:t>
-            </a:r>
-            <a:r>
-              <a:rPr lang="en-US" dirty="0"/>
-              <a:t> products(</a:t>
-            </a:r>
-            <a:r>
-              <a:rPr lang="en-US" dirty="0" err="1"/>
-              <a:t>iphone</a:t>
-            </a:r>
-            <a:r>
-              <a:rPr lang="en-US" dirty="0"/>
-              <a:t> and </a:t>
-            </a:r>
-            <a:r>
-              <a:rPr lang="en-US" dirty="0" err="1"/>
-              <a:t>ipad</a:t>
-            </a:r>
-            <a:r>
-              <a:rPr lang="en-US" dirty="0"/>
-              <a:t>) follow as top 3 brands which emotions are directed at.</a:t>
-            </a:r>
-            <a:endParaRPr lang="en-KE" dirty="0"/>
-          </a:p>
-        </p:txBody>
-      </p:sp>
-      <p:pic>
-        <p:nvPicPr>
-          <p:cNvPr id="10" name="Picture 9">
-            <a:extLst>
-              <a:ext uri="{FF2B5EF4-FFF2-40B4-BE49-F238E27FC236}">
-                <a16:creationId xmlns:a16="http://schemas.microsoft.com/office/drawing/2014/main" id="{6BEEBA53-36B0-4DFC-8726-1ECABC485B0F}"/>
-              </a:ext>
-            </a:extLst>
-          </p:cNvPr>
-          <p:cNvPicPr>
-            <a:picLocks noChangeAspect="1"/>
-          </p:cNvPicPr>
-          <p:nvPr/>
-        </p:nvPicPr>
-        <p:blipFill>
-          <a:blip r:embed="rId3"/>
-          <a:stretch>
-            <a:fillRect/>
-          </a:stretch>
-        </p:blipFill>
-        <p:spPr>
-          <a:xfrm>
-            <a:off x="2264228" y="1361786"/>
-            <a:ext cx="8585860" cy="4134427"/>
-          </a:xfrm>
-          <a:prstGeom prst="rect">
-            <a:avLst/>
-          </a:prstGeom>
-        </p:spPr>
-      </p:pic>
-    </p:spTree>
-    <p:extLst>
-      <p:ext uri="{BB962C8B-B14F-4D97-AF65-F5344CB8AC3E}">
-        <p14:creationId xmlns:p14="http://schemas.microsoft.com/office/powerpoint/2010/main" val="1354744365"/>
       </p:ext>
     </p:extLst>
   </p:cSld>
@@ -19216,16 +19560,16 @@
 <file path=customXml/itemProps3.xml><?xml version="1.0" encoding="utf-8"?>
 <ds:datastoreItem xmlns:ds="http://schemas.openxmlformats.org/officeDocument/2006/customXml" ds:itemID="{3C118CE8-9293-4220-BA3B-5D353B13ABC9}">
   <ds:schemaRefs>
+    <ds:schemaRef ds:uri="http://purl.org/dc/terms/"/>
     <ds:schemaRef ds:uri="71af3243-3dd4-4a8d-8c0d-dd76da1f02a5"/>
-    <ds:schemaRef ds:uri="http://purl.org/dc/terms/"/>
-    <ds:schemaRef ds:uri="http://purl.org/dc/dcmitype/"/>
-    <ds:schemaRef ds:uri="http://schemas.openxmlformats.org/package/2006/metadata/core-properties"/>
+    <ds:schemaRef ds:uri="http://purl.org/dc/elements/1.1/"/>
+    <ds:schemaRef ds:uri="http://schemas.microsoft.com/office/2006/metadata/properties"/>
     <ds:schemaRef ds:uri="http://schemas.microsoft.com/office/2006/documentManagement/types"/>
     <ds:schemaRef ds:uri="http://www.w3.org/XML/1998/namespace"/>
+    <ds:schemaRef ds:uri="16c05727-aa75-4e4a-9b5f-8a80a1165891"/>
     <ds:schemaRef ds:uri="http://schemas.microsoft.com/office/infopath/2007/PartnerControls"/>
-    <ds:schemaRef ds:uri="16c05727-aa75-4e4a-9b5f-8a80a1165891"/>
-    <ds:schemaRef ds:uri="http://schemas.microsoft.com/office/2006/metadata/properties"/>
-    <ds:schemaRef ds:uri="http://purl.org/dc/elements/1.1/"/>
+    <ds:schemaRef ds:uri="http://schemas.openxmlformats.org/package/2006/metadata/core-properties"/>
+    <ds:schemaRef ds:uri="http://purl.org/dc/dcmitype/"/>
   </ds:schemaRefs>
 </ds:datastoreItem>
 </file>